--- a/Presentations/UI5_005.pptx
+++ b/Presentations/UI5_005.pptx
@@ -199,7 +199,7 @@
           <a:p>
             <a:fld id="{75F5B6A6-A5EC-474C-9974-408E57F2AD69}" type="datetimeFigureOut">
               <a:rPr lang="en-US" smtClean="0"/>
-              <a:t>2019-09-17</a:t>
+              <a:t>2019-09-18</a:t>
             </a:fld>
             <a:endParaRPr lang="en-US"/>
           </a:p>
@@ -11714,7 +11714,7 @@
                 <a:cs typeface="Arial"/>
                 <a:sym typeface="Arial"/>
               </a:rPr>
-              <a:t>Lesson #4</a:t>
+              <a:t>Lesson #5</a:t>
             </a:r>
           </a:p>
         </p:txBody>
@@ -12436,7 +12436,7 @@
         <p:spPr>
           <a:xfrm>
             <a:off x="152394" y="1023179"/>
-            <a:ext cx="5548609" cy="5596282"/>
+            <a:ext cx="5294249" cy="5596282"/>
           </a:xfrm>
         </p:spPr>
         <p:txBody>
@@ -12447,36 +12447,86 @@
           <a:p>
             <a:r>
               <a:rPr lang="en-US" dirty="0"/>
-              <a:t>Sort</a:t>
+              <a:t>Create or download mock data</a:t>
+            </a:r>
+          </a:p>
+          <a:p>
+            <a:r>
+              <a:rPr lang="en-US" sz="2400" dirty="0"/>
+              <a:t>Initialize mock server</a:t>
+            </a:r>
+          </a:p>
+          <a:p>
+            <a:r>
+              <a:rPr lang="en-US" sz="2400" dirty="0"/>
+              <a:t>Create, Update, Delete</a:t>
+            </a:r>
+          </a:p>
+          <a:p>
+            <a:r>
+              <a:rPr lang="en-US" sz="2400" dirty="0">
+                <a:hlinkClick r:id="rId3"/>
+              </a:rPr>
+              <a:t>Deeper look at </a:t>
+            </a:r>
+            <a:r>
+              <a:rPr lang="en-US" sz="2400" dirty="0" err="1">
+                <a:hlinkClick r:id="rId3"/>
+              </a:rPr>
+              <a:t>ODataModel</a:t>
+            </a:r>
+            <a:r>
+              <a:rPr lang="en-US" sz="2400" dirty="0">
+                <a:hlinkClick r:id="rId3"/>
+              </a:rPr>
+              <a:t> </a:t>
             </a:r>
             <a:endParaRPr lang="en-US" sz="2400" dirty="0"/>
           </a:p>
           <a:p>
-            <a:pPr>
-              <a:buFont typeface="Wingdings" panose="05000000000000000000" pitchFamily="2" charset="2"/>
-              <a:buChar char="§"/>
-            </a:pPr>
-            <a:endParaRPr lang="en-US" sz="2200" dirty="0">
-              <a:solidFill>
-                <a:schemeClr val="accent1">
-                  <a:lumMod val="60000"/>
-                  <a:lumOff val="40000"/>
-                </a:schemeClr>
-              </a:solidFill>
-            </a:endParaRPr>
-          </a:p>
-          <a:p>
-            <a:pPr lvl="1">
-              <a:buFont typeface="Wingdings" panose="05000000000000000000" pitchFamily="2" charset="2"/>
-              <a:buChar char="§"/>
-            </a:pPr>
-            <a:endParaRPr lang="en-US" sz="1800" dirty="0"/>
-          </a:p>
-          <a:p>
-            <a:endParaRPr lang="en-US" dirty="0"/>
+            <a:r>
+              <a:rPr lang="en-US" dirty="0"/>
+              <a:t>Extract data from metadata</a:t>
+            </a:r>
           </a:p>
         </p:txBody>
       </p:sp>
+      <p:pic>
+        <p:nvPicPr>
+          <p:cNvPr id="5" name="Picture 4" descr="A screenshot of a computer&#10;&#10;Description automatically generated">
+            <a:extLst>
+              <a:ext uri="{FF2B5EF4-FFF2-40B4-BE49-F238E27FC236}">
+                <a16:creationId xmlns:a16="http://schemas.microsoft.com/office/drawing/2014/main" id="{AB13145B-1F72-498E-A909-7AB640BDD485}"/>
+              </a:ext>
+            </a:extLst>
+          </p:cNvPr>
+          <p:cNvPicPr>
+            <a:picLocks noChangeAspect="1"/>
+          </p:cNvPicPr>
+          <p:nvPr/>
+        </p:nvPicPr>
+        <p:blipFill>
+          <a:blip r:embed="rId4">
+            <a:extLst>
+              <a:ext uri="{28A0092B-C50C-407E-A947-70E740481C1C}">
+                <a14:useLocalDpi xmlns:a14="http://schemas.microsoft.com/office/drawing/2010/main" val="0"/>
+              </a:ext>
+            </a:extLst>
+          </a:blip>
+          <a:stretch>
+            <a:fillRect/>
+          </a:stretch>
+        </p:blipFill>
+        <p:spPr>
+          <a:xfrm>
+            <a:off x="5546035" y="556541"/>
+            <a:ext cx="4406857" cy="6301459"/>
+          </a:xfrm>
+          <a:prstGeom prst="rect">
+            <a:avLst/>
+          </a:prstGeom>
+        </p:spPr>
+      </p:pic>
     </p:spTree>
     <p:extLst>
       <p:ext uri="{BB962C8B-B14F-4D97-AF65-F5344CB8AC3E}">

--- a/Presentations/UI5_005.pptx
+++ b/Presentations/UI5_005.pptx
@@ -199,7 +199,7 @@
           <a:p>
             <a:fld id="{75F5B6A6-A5EC-474C-9974-408E57F2AD69}" type="datetimeFigureOut">
               <a:rPr lang="en-US" smtClean="0"/>
-              <a:t>2019-09-18</a:t>
+              <a:t>2019-09-21</a:t>
             </a:fld>
             <a:endParaRPr lang="en-US"/>
           </a:p>
@@ -10853,12 +10853,70 @@
           </a:p>
         </p:txBody>
       </p:sp>
+      <p:sp>
+        <p:nvSpPr>
+          <p:cNvPr id="12" name="Google Shape;6;p6">
+            <a:extLst>
+              <a:ext uri="{FF2B5EF4-FFF2-40B4-BE49-F238E27FC236}">
+                <a16:creationId xmlns:a16="http://schemas.microsoft.com/office/drawing/2014/main" id="{9A38B790-ABE1-4A67-B10C-C2848F14B2EB}"/>
+              </a:ext>
+            </a:extLst>
+          </p:cNvPr>
+          <p:cNvSpPr/>
+          <p:nvPr userDrawn="1"/>
+        </p:nvSpPr>
+        <p:spPr>
+          <a:xfrm>
+            <a:off x="10050830" y="0"/>
+            <a:ext cx="2141170" cy="6858000"/>
+          </a:xfrm>
+          <a:prstGeom prst="rect">
+            <a:avLst/>
+          </a:prstGeom>
+          <a:solidFill>
+            <a:srgbClr val="262626"/>
+          </a:solidFill>
+          <a:ln w="9525" cap="flat" cmpd="sng">
+            <a:noFill/>
+            <a:prstDash val="solid"/>
+            <a:miter lim="800000"/>
+            <a:headEnd type="none" w="sm" len="sm"/>
+            <a:tailEnd type="none" w="sm" len="sm"/>
+          </a:ln>
+        </p:spPr>
+        <p:txBody>
+          <a:bodyPr spcFirstLastPara="1" wrap="square" lIns="91425" tIns="45700" rIns="91425" bIns="45700" anchor="ctr" anchorCtr="0">
+            <a:noAutofit/>
+          </a:bodyPr>
+          <a:lstStyle/>
+          <a:p>
+            <a:pPr marL="0" marR="0" lvl="0" indent="0" algn="ctr" rtl="0">
+              <a:spcBef>
+                <a:spcPts val="0"/>
+              </a:spcBef>
+              <a:spcAft>
+                <a:spcPts val="0"/>
+              </a:spcAft>
+              <a:buNone/>
+            </a:pPr>
+            <a:endParaRPr sz="1800" b="0" i="0" u="none" strike="noStrike" cap="none">
+              <a:solidFill>
+                <a:schemeClr val="dk1"/>
+              </a:solidFill>
+              <a:latin typeface="Calibri"/>
+              <a:ea typeface="Calibri"/>
+              <a:cs typeface="Calibri"/>
+              <a:sym typeface="Calibri"/>
+            </a:endParaRPr>
+          </a:p>
+        </p:txBody>
+      </p:sp>
       <p:pic>
         <p:nvPicPr>
-          <p:cNvPr id="5" name="Picture 4">
+          <p:cNvPr id="13" name="Picture 12">
             <a:extLst>
               <a:ext uri="{FF2B5EF4-FFF2-40B4-BE49-F238E27FC236}">
-                <a16:creationId xmlns:a16="http://schemas.microsoft.com/office/drawing/2014/main" id="{E33E6A13-6A04-48D4-BE9B-1321014C19BA}"/>
+                <a16:creationId xmlns:a16="http://schemas.microsoft.com/office/drawing/2014/main" id="{11AE48B7-87C6-4FF4-B778-4BB76E89DBFC}"/>
               </a:ext>
             </a:extLst>
           </p:cNvPr>
@@ -10875,7 +10933,7 @@
         </p:blipFill>
         <p:spPr>
           <a:xfrm>
-            <a:off x="10233499" y="4742351"/>
+            <a:off x="10233499" y="5041454"/>
             <a:ext cx="1775832" cy="1482434"/>
           </a:xfrm>
           <a:prstGeom prst="rect">
@@ -10885,10 +10943,10 @@
       </p:pic>
       <p:pic>
         <p:nvPicPr>
-          <p:cNvPr id="15" name="Picture 14">
+          <p:cNvPr id="14" name="Picture 13">
             <a:extLst>
               <a:ext uri="{FF2B5EF4-FFF2-40B4-BE49-F238E27FC236}">
-                <a16:creationId xmlns:a16="http://schemas.microsoft.com/office/drawing/2014/main" id="{A8BFE228-50CE-4AF2-8C9B-5B2C28BBF1C2}"/>
+                <a16:creationId xmlns:a16="http://schemas.microsoft.com/office/drawing/2014/main" id="{36E98554-8F25-43F3-8776-15726A6CF3FD}"/>
               </a:ext>
             </a:extLst>
           </p:cNvPr>
@@ -10905,7 +10963,7 @@
         </p:blipFill>
         <p:spPr>
           <a:xfrm>
-            <a:off x="10158175" y="365125"/>
+            <a:off x="10158175" y="283009"/>
             <a:ext cx="1926479" cy="1692000"/>
           </a:xfrm>
           <a:prstGeom prst="rect">
@@ -10913,6 +10971,81 @@
           </a:prstGeom>
         </p:spPr>
       </p:pic>
+      <p:pic>
+        <p:nvPicPr>
+          <p:cNvPr id="16" name="Picture 15" descr="A picture containing drawing&#10;&#10;Description automatically generated">
+            <a:extLst>
+              <a:ext uri="{FF2B5EF4-FFF2-40B4-BE49-F238E27FC236}">
+                <a16:creationId xmlns:a16="http://schemas.microsoft.com/office/drawing/2014/main" id="{3B3906A7-B33F-4C30-B48A-13F54B14F90D}"/>
+              </a:ext>
+            </a:extLst>
+          </p:cNvPr>
+          <p:cNvPicPr>
+            <a:picLocks noChangeAspect="1"/>
+          </p:cNvPicPr>
+          <p:nvPr userDrawn="1"/>
+        </p:nvPicPr>
+        <p:blipFill>
+          <a:blip r:embed="rId15">
+            <a:extLst>
+              <a:ext uri="{28A0092B-C50C-407E-A947-70E740481C1C}">
+                <a14:useLocalDpi xmlns:a14="http://schemas.microsoft.com/office/drawing/2010/main" val="0"/>
+              </a:ext>
+            </a:extLst>
+          </a:blip>
+          <a:stretch>
+            <a:fillRect/>
+          </a:stretch>
+        </p:blipFill>
+        <p:spPr>
+          <a:xfrm>
+            <a:off x="10158175" y="3950018"/>
+            <a:ext cx="1774243" cy="709697"/>
+          </a:xfrm>
+          <a:prstGeom prst="rect">
+            <a:avLst/>
+          </a:prstGeom>
+        </p:spPr>
+      </p:pic>
+      <p:sp>
+        <p:nvSpPr>
+          <p:cNvPr id="17" name="TextBox 16">
+            <a:extLst>
+              <a:ext uri="{FF2B5EF4-FFF2-40B4-BE49-F238E27FC236}">
+                <a16:creationId xmlns:a16="http://schemas.microsoft.com/office/drawing/2014/main" id="{CE4F082C-7694-401C-A2D7-6D72E07FDBC1}"/>
+              </a:ext>
+            </a:extLst>
+          </p:cNvPr>
+          <p:cNvSpPr txBox="1"/>
+          <p:nvPr userDrawn="1"/>
+        </p:nvSpPr>
+        <p:spPr>
+          <a:xfrm>
+            <a:off x="10235088" y="4496641"/>
+            <a:ext cx="1774243" cy="353943"/>
+          </a:xfrm>
+          <a:prstGeom prst="rect">
+            <a:avLst/>
+          </a:prstGeom>
+          <a:noFill/>
+        </p:spPr>
+        <p:txBody>
+          <a:bodyPr wrap="square" rtlCol="0">
+            <a:spAutoFit/>
+          </a:bodyPr>
+          <a:lstStyle/>
+          <a:p>
+            <a:r>
+              <a:rPr lang="en-US" sz="1700" dirty="0">
+                <a:solidFill>
+                  <a:schemeClr val="bg1"/>
+                </a:solidFill>
+              </a:rPr>
+              <a:t>www.cimt-ag.de</a:t>
+            </a:r>
+          </a:p>
+        </p:txBody>
+      </p:sp>
     </p:spTree>
     <p:extLst>
       <p:ext uri="{BB962C8B-B14F-4D97-AF65-F5344CB8AC3E}">
